--- a/docs/diagrams/Diagrams.pptx
+++ b/docs/diagrams/Diagrams.pptx
@@ -200,7 +200,7 @@
           <a:p>
             <a:fld id="{F5CC4B3F-88C1-4FFA-B1B6-F41C21DC6924}" type="datetimeFigureOut">
               <a:rPr lang="en-US" smtClean="0"/>
-              <a:t>9/30/2016</a:t>
+              <a:t>19/10/16</a:t>
             </a:fld>
             <a:endParaRPr lang="en-US"/>
           </a:p>
@@ -649,7 +649,7 @@
           <a:p>
             <a:fld id="{78C97017-6FC3-485B-9764-EAC9E56C1D49}" type="datetimeFigureOut">
               <a:rPr lang="en-US" smtClean="0"/>
-              <a:t>9/30/2016</a:t>
+              <a:t>19/10/16</a:t>
             </a:fld>
             <a:endParaRPr lang="en-US"/>
           </a:p>
@@ -819,7 +819,7 @@
           <a:p>
             <a:fld id="{78C97017-6FC3-485B-9764-EAC9E56C1D49}" type="datetimeFigureOut">
               <a:rPr lang="en-US" smtClean="0"/>
-              <a:t>9/30/2016</a:t>
+              <a:t>19/10/16</a:t>
             </a:fld>
             <a:endParaRPr lang="en-US"/>
           </a:p>
@@ -999,7 +999,7 @@
           <a:p>
             <a:fld id="{78C97017-6FC3-485B-9764-EAC9E56C1D49}" type="datetimeFigureOut">
               <a:rPr lang="en-US" smtClean="0"/>
-              <a:t>9/30/2016</a:t>
+              <a:t>19/10/16</a:t>
             </a:fld>
             <a:endParaRPr lang="en-US"/>
           </a:p>
@@ -1169,7 +1169,7 @@
           <a:p>
             <a:fld id="{78C97017-6FC3-485B-9764-EAC9E56C1D49}" type="datetimeFigureOut">
               <a:rPr lang="en-US" smtClean="0"/>
-              <a:t>9/30/2016</a:t>
+              <a:t>19/10/16</a:t>
             </a:fld>
             <a:endParaRPr lang="en-US"/>
           </a:p>
@@ -1415,7 +1415,7 @@
           <a:p>
             <a:fld id="{78C97017-6FC3-485B-9764-EAC9E56C1D49}" type="datetimeFigureOut">
               <a:rPr lang="en-US" smtClean="0"/>
-              <a:t>9/30/2016</a:t>
+              <a:t>19/10/16</a:t>
             </a:fld>
             <a:endParaRPr lang="en-US"/>
           </a:p>
@@ -1703,7 +1703,7 @@
           <a:p>
             <a:fld id="{78C97017-6FC3-485B-9764-EAC9E56C1D49}" type="datetimeFigureOut">
               <a:rPr lang="en-US" smtClean="0"/>
-              <a:t>9/30/2016</a:t>
+              <a:t>19/10/16</a:t>
             </a:fld>
             <a:endParaRPr lang="en-US"/>
           </a:p>
@@ -2125,7 +2125,7 @@
           <a:p>
             <a:fld id="{78C97017-6FC3-485B-9764-EAC9E56C1D49}" type="datetimeFigureOut">
               <a:rPr lang="en-US" smtClean="0"/>
-              <a:t>9/30/2016</a:t>
+              <a:t>19/10/16</a:t>
             </a:fld>
             <a:endParaRPr lang="en-US"/>
           </a:p>
@@ -2243,7 +2243,7 @@
           <a:p>
             <a:fld id="{78C97017-6FC3-485B-9764-EAC9E56C1D49}" type="datetimeFigureOut">
               <a:rPr lang="en-US" smtClean="0"/>
-              <a:t>9/30/2016</a:t>
+              <a:t>19/10/16</a:t>
             </a:fld>
             <a:endParaRPr lang="en-US"/>
           </a:p>
@@ -2338,7 +2338,7 @@
           <a:p>
             <a:fld id="{78C97017-6FC3-485B-9764-EAC9E56C1D49}" type="datetimeFigureOut">
               <a:rPr lang="en-US" smtClean="0"/>
-              <a:t>9/30/2016</a:t>
+              <a:t>19/10/16</a:t>
             </a:fld>
             <a:endParaRPr lang="en-US"/>
           </a:p>
@@ -2615,7 +2615,7 @@
           <a:p>
             <a:fld id="{78C97017-6FC3-485B-9764-EAC9E56C1D49}" type="datetimeFigureOut">
               <a:rPr lang="en-US" smtClean="0"/>
-              <a:t>9/30/2016</a:t>
+              <a:t>19/10/16</a:t>
             </a:fld>
             <a:endParaRPr lang="en-US"/>
           </a:p>
@@ -2868,7 +2868,7 @@
           <a:p>
             <a:fld id="{78C97017-6FC3-485B-9764-EAC9E56C1D49}" type="datetimeFigureOut">
               <a:rPr lang="en-US" smtClean="0"/>
-              <a:t>9/30/2016</a:t>
+              <a:t>19/10/16</a:t>
             </a:fld>
             <a:endParaRPr lang="en-US"/>
           </a:p>
@@ -3081,7 +3081,7 @@
           <a:p>
             <a:fld id="{78C97017-6FC3-485B-9764-EAC9E56C1D49}" type="datetimeFigureOut">
               <a:rPr lang="en-US" smtClean="0"/>
-              <a:t>9/30/2016</a:t>
+              <a:t>19/10/16</a:t>
             </a:fld>
             <a:endParaRPr lang="en-US"/>
           </a:p>
@@ -9756,7 +9756,7 @@
   <p:timing>
     <p:tnLst>
       <p:par>
-        <p:cTn id="1" dur="indefinite" restart="never" nodeType="tmRoot"/>
+        <p:cTn xmlns:p14="http://schemas.microsoft.com/office/powerpoint/2010/main" id="1" dur="indefinite" restart="never" nodeType="tmRoot"/>
       </p:par>
     </p:tnLst>
   </p:timing>
@@ -9788,8 +9788,8 @@
         </p:nvSpPr>
         <p:spPr>
           <a:xfrm>
-            <a:off x="1103085" y="2057399"/>
-            <a:ext cx="6288315" cy="2272167"/>
+            <a:off x="140331" y="685800"/>
+            <a:ext cx="8775069" cy="4851381"/>
           </a:xfrm>
           <a:prstGeom prst="roundRect">
             <a:avLst>
@@ -9849,8 +9849,8 @@
         </p:nvSpPr>
         <p:spPr>
           <a:xfrm>
-            <a:off x="2095948" y="2548840"/>
-            <a:ext cx="1093635" cy="346760"/>
+            <a:off x="1525828" y="1735093"/>
+            <a:ext cx="1526120" cy="740379"/>
           </a:xfrm>
           <a:prstGeom prst="rect">
             <a:avLst/>
@@ -9902,70 +9902,14 @@
       </p:sp>
       <p:sp>
         <p:nvSpPr>
-          <p:cNvPr id="5" name="Rectangle 11"/>
-          <p:cNvSpPr/>
-          <p:nvPr/>
-        </p:nvSpPr>
-        <p:spPr>
-          <a:xfrm flipH="1">
-            <a:off x="6180592" y="2648528"/>
-            <a:ext cx="1093635" cy="346760"/>
-          </a:xfrm>
-          <a:prstGeom prst="rect">
-            <a:avLst/>
-          </a:prstGeom>
-          <a:ln w="19050">
-            <a:solidFill>
-              <a:srgbClr val="0070C0"/>
-            </a:solidFill>
-          </a:ln>
-          <a:effectLst/>
-        </p:spPr>
-        <p:style>
-          <a:lnRef idx="1">
-            <a:schemeClr val="accent1"/>
-          </a:lnRef>
-          <a:fillRef idx="2">
-            <a:schemeClr val="accent1"/>
-          </a:fillRef>
-          <a:effectRef idx="1">
-            <a:schemeClr val="accent1"/>
-          </a:effectRef>
-          <a:fontRef idx="minor">
-            <a:schemeClr val="dk1"/>
-          </a:fontRef>
-        </p:style>
-        <p:txBody>
-          <a:bodyPr rtlCol="0" anchor="ctr"/>
-          <a:lstStyle/>
-          <a:p>
-            <a:pPr algn="ctr"/>
-            <a:r>
-              <a:rPr lang="en-US" sz="1050" b="1" dirty="0" err="1">
-                <a:solidFill>
-                  <a:srgbClr val="0070C0"/>
-                </a:solidFill>
-              </a:rPr>
-              <a:t>AddCommand</a:t>
-            </a:r>
-            <a:endParaRPr lang="en-SG" sz="1050" b="1" dirty="0">
-              <a:solidFill>
-                <a:srgbClr val="0070C0"/>
-              </a:solidFill>
-            </a:endParaRPr>
-          </a:p>
-        </p:txBody>
-      </p:sp>
-      <p:sp>
-        <p:nvSpPr>
           <p:cNvPr id="6" name="Rectangle 62"/>
           <p:cNvSpPr/>
           <p:nvPr/>
         </p:nvSpPr>
         <p:spPr>
           <a:xfrm>
-            <a:off x="2015218" y="3763620"/>
-            <a:ext cx="1093635" cy="346760"/>
+            <a:off x="1413172" y="4328811"/>
+            <a:ext cx="1526120" cy="740379"/>
           </a:xfrm>
           <a:prstGeom prst="rect">
             <a:avLst/>
@@ -10025,8 +9969,8 @@
         </p:nvCxnSpPr>
         <p:spPr>
           <a:xfrm rot="10800000">
-            <a:off x="3189584" y="2722220"/>
-            <a:ext cx="2296817" cy="1187104"/>
+            <a:off x="3051949" y="2105282"/>
+            <a:ext cx="3205108" cy="2534626"/>
           </a:xfrm>
           <a:prstGeom prst="bentConnector3">
             <a:avLst>
@@ -10066,8 +10010,8 @@
         </p:nvSpPr>
         <p:spPr>
           <a:xfrm rot="5400000" flipV="1">
-            <a:off x="5563388" y="3813212"/>
-            <a:ext cx="270504" cy="175523"/>
+            <a:off x="6264446" y="4499611"/>
+            <a:ext cx="577563" cy="244935"/>
           </a:xfrm>
           <a:prstGeom prst="triangle">
             <a:avLst/>
@@ -10116,8 +10060,8 @@
         </p:nvCxnSpPr>
         <p:spPr>
           <a:xfrm>
-            <a:off x="1676400" y="2719360"/>
-            <a:ext cx="419548" cy="2860"/>
+            <a:off x="940367" y="2099175"/>
+            <a:ext cx="585461" cy="6106"/>
           </a:xfrm>
           <a:prstGeom prst="bentConnector3">
             <a:avLst>
@@ -10157,8 +10101,8 @@
         </p:nvSpPr>
         <p:spPr>
           <a:xfrm>
-            <a:off x="1103085" y="4548755"/>
-            <a:ext cx="6288315" cy="328045"/>
+            <a:off x="140331" y="6005180"/>
+            <a:ext cx="8775069" cy="700420"/>
           </a:xfrm>
           <a:prstGeom prst="roundRect">
             <a:avLst/>
@@ -10211,126 +10155,14 @@
       </p:sp>
       <p:sp>
         <p:nvSpPr>
-          <p:cNvPr id="11" name="Rectangle 11"/>
-          <p:cNvSpPr/>
-          <p:nvPr/>
-        </p:nvSpPr>
-        <p:spPr>
-          <a:xfrm flipH="1">
-            <a:off x="6180592" y="3054928"/>
-            <a:ext cx="1093635" cy="346760"/>
-          </a:xfrm>
-          <a:prstGeom prst="rect">
-            <a:avLst/>
-          </a:prstGeom>
-          <a:ln w="19050">
-            <a:solidFill>
-              <a:srgbClr val="0070C0"/>
-            </a:solidFill>
-          </a:ln>
-          <a:effectLst/>
-        </p:spPr>
-        <p:style>
-          <a:lnRef idx="1">
-            <a:schemeClr val="accent1"/>
-          </a:lnRef>
-          <a:fillRef idx="2">
-            <a:schemeClr val="accent1"/>
-          </a:fillRef>
-          <a:effectRef idx="1">
-            <a:schemeClr val="accent1"/>
-          </a:effectRef>
-          <a:fontRef idx="minor">
-            <a:schemeClr val="dk1"/>
-          </a:fontRef>
-        </p:style>
-        <p:txBody>
-          <a:bodyPr rtlCol="0" anchor="ctr"/>
-          <a:lstStyle/>
-          <a:p>
-            <a:pPr algn="ctr"/>
-            <a:r>
-              <a:rPr lang="en-US" sz="1050" b="1" dirty="0" err="1">
-                <a:solidFill>
-                  <a:srgbClr val="0070C0"/>
-                </a:solidFill>
-              </a:rPr>
-              <a:t>ListCommand</a:t>
-            </a:r>
-            <a:endParaRPr lang="en-SG" sz="1050" b="1" dirty="0">
-              <a:solidFill>
-                <a:srgbClr val="0070C0"/>
-              </a:solidFill>
-            </a:endParaRPr>
-          </a:p>
-        </p:txBody>
-      </p:sp>
-      <p:sp>
-        <p:nvSpPr>
-          <p:cNvPr id="12" name="Rectangle 11"/>
-          <p:cNvSpPr/>
-          <p:nvPr/>
-        </p:nvSpPr>
-        <p:spPr>
-          <a:xfrm flipH="1">
-            <a:off x="6180590" y="3860800"/>
-            <a:ext cx="1093635" cy="346760"/>
-          </a:xfrm>
-          <a:prstGeom prst="rect">
-            <a:avLst/>
-          </a:prstGeom>
-          <a:ln w="19050">
-            <a:solidFill>
-              <a:srgbClr val="0070C0"/>
-            </a:solidFill>
-          </a:ln>
-          <a:effectLst/>
-        </p:spPr>
-        <p:style>
-          <a:lnRef idx="1">
-            <a:schemeClr val="accent1"/>
-          </a:lnRef>
-          <a:fillRef idx="2">
-            <a:schemeClr val="accent1"/>
-          </a:fillRef>
-          <a:effectRef idx="1">
-            <a:schemeClr val="accent1"/>
-          </a:effectRef>
-          <a:fontRef idx="minor">
-            <a:schemeClr val="dk1"/>
-          </a:fontRef>
-        </p:style>
-        <p:txBody>
-          <a:bodyPr rtlCol="0" anchor="ctr"/>
-          <a:lstStyle/>
-          <a:p>
-            <a:pPr algn="ctr"/>
-            <a:r>
-              <a:rPr lang="en-US" sz="1050" b="1" dirty="0">
-                <a:solidFill>
-                  <a:srgbClr val="0070C0"/>
-                </a:solidFill>
-              </a:rPr>
-              <a:t>…</a:t>
-            </a:r>
-            <a:endParaRPr lang="en-SG" sz="1050" b="1" dirty="0">
-              <a:solidFill>
-                <a:srgbClr val="0070C0"/>
-              </a:solidFill>
-            </a:endParaRPr>
-          </a:p>
-        </p:txBody>
-      </p:sp>
-      <p:sp>
-        <p:nvSpPr>
           <p:cNvPr id="14" name="Rectangle 62"/>
           <p:cNvSpPr/>
           <p:nvPr/>
         </p:nvSpPr>
         <p:spPr>
           <a:xfrm>
-            <a:off x="4815685" y="3765721"/>
-            <a:ext cx="772043" cy="346760"/>
+            <a:off x="5321102" y="4333297"/>
+            <a:ext cx="1077353" cy="740379"/>
           </a:xfrm>
           <a:prstGeom prst="rect">
             <a:avLst/>
@@ -10392,135 +10224,6 @@
           </a:p>
         </p:txBody>
       </p:sp>
-      <p:cxnSp>
-        <p:nvCxnSpPr>
-          <p:cNvPr id="15" name="Elbow Connector 63"/>
-          <p:cNvCxnSpPr>
-            <a:stCxn id="5" idx="3"/>
-            <a:endCxn id="8" idx="3"/>
-          </p:cNvCxnSpPr>
-          <p:nvPr/>
-        </p:nvCxnSpPr>
-        <p:spPr>
-          <a:xfrm rot="10800000" flipV="1">
-            <a:off x="5786402" y="2821908"/>
-            <a:ext cx="394190" cy="1079066"/>
-          </a:xfrm>
-          <a:prstGeom prst="bentConnector3">
-            <a:avLst>
-              <a:gd name="adj1" fmla="val 50000"/>
-            </a:avLst>
-          </a:prstGeom>
-          <a:ln w="19050">
-            <a:solidFill>
-              <a:srgbClr val="0070C0"/>
-            </a:solidFill>
-            <a:headEnd type="none" w="med" len="med"/>
-            <a:tailEnd type="none" w="med" len="med"/>
-          </a:ln>
-          <a:effectLst/>
-        </p:spPr>
-        <p:style>
-          <a:lnRef idx="1">
-            <a:schemeClr val="accent2"/>
-          </a:lnRef>
-          <a:fillRef idx="2">
-            <a:schemeClr val="accent2"/>
-          </a:fillRef>
-          <a:effectRef idx="1">
-            <a:schemeClr val="accent2"/>
-          </a:effectRef>
-          <a:fontRef idx="minor">
-            <a:schemeClr val="dk1"/>
-          </a:fontRef>
-        </p:style>
-      </p:cxnSp>
-      <p:cxnSp>
-        <p:nvCxnSpPr>
-          <p:cNvPr id="16" name="Elbow Connector 63"/>
-          <p:cNvCxnSpPr>
-            <a:stCxn id="8" idx="3"/>
-            <a:endCxn id="12" idx="3"/>
-          </p:cNvCxnSpPr>
-          <p:nvPr/>
-        </p:nvCxnSpPr>
-        <p:spPr>
-          <a:xfrm>
-            <a:off x="5786402" y="3900974"/>
-            <a:ext cx="394188" cy="133206"/>
-          </a:xfrm>
-          <a:prstGeom prst="bentConnector3">
-            <a:avLst>
-              <a:gd name="adj1" fmla="val 50000"/>
-            </a:avLst>
-          </a:prstGeom>
-          <a:ln w="19050">
-            <a:solidFill>
-              <a:srgbClr val="0070C0"/>
-            </a:solidFill>
-            <a:headEnd type="none" w="med" len="med"/>
-            <a:tailEnd type="none" w="med" len="med"/>
-          </a:ln>
-          <a:effectLst/>
-        </p:spPr>
-        <p:style>
-          <a:lnRef idx="1">
-            <a:schemeClr val="accent2"/>
-          </a:lnRef>
-          <a:fillRef idx="2">
-            <a:schemeClr val="accent2"/>
-          </a:fillRef>
-          <a:effectRef idx="1">
-            <a:schemeClr val="accent2"/>
-          </a:effectRef>
-          <a:fontRef idx="minor">
-            <a:schemeClr val="dk1"/>
-          </a:fontRef>
-        </p:style>
-      </p:cxnSp>
-      <p:cxnSp>
-        <p:nvCxnSpPr>
-          <p:cNvPr id="17" name="Elbow Connector 63"/>
-          <p:cNvCxnSpPr>
-            <a:stCxn id="8" idx="3"/>
-            <a:endCxn id="11" idx="3"/>
-          </p:cNvCxnSpPr>
-          <p:nvPr/>
-        </p:nvCxnSpPr>
-        <p:spPr>
-          <a:xfrm flipV="1">
-            <a:off x="5786402" y="3228308"/>
-            <a:ext cx="394190" cy="672666"/>
-          </a:xfrm>
-          <a:prstGeom prst="bentConnector3">
-            <a:avLst>
-              <a:gd name="adj1" fmla="val 50000"/>
-            </a:avLst>
-          </a:prstGeom>
-          <a:ln w="19050">
-            <a:solidFill>
-              <a:srgbClr val="0070C0"/>
-            </a:solidFill>
-            <a:headEnd type="none" w="med" len="med"/>
-            <a:tailEnd type="none" w="med" len="med"/>
-          </a:ln>
-          <a:effectLst/>
-        </p:spPr>
-        <p:style>
-          <a:lnRef idx="1">
-            <a:schemeClr val="accent2"/>
-          </a:lnRef>
-          <a:fillRef idx="2">
-            <a:schemeClr val="accent2"/>
-          </a:fillRef>
-          <a:effectRef idx="1">
-            <a:schemeClr val="accent2"/>
-          </a:effectRef>
-          <a:fontRef idx="minor">
-            <a:schemeClr val="dk1"/>
-          </a:fontRef>
-        </p:style>
-      </p:cxnSp>
       <p:sp>
         <p:nvSpPr>
           <p:cNvPr id="18" name="Rectangle 62"/>
@@ -10529,8 +10232,8 @@
         </p:nvSpPr>
         <p:spPr>
           <a:xfrm>
-            <a:off x="3527828" y="3766159"/>
-            <a:ext cx="585450" cy="346760"/>
+            <a:off x="3523953" y="4334232"/>
+            <a:ext cx="816970" cy="740379"/>
           </a:xfrm>
           <a:prstGeom prst="rect">
             <a:avLst/>
@@ -10591,8 +10294,8 @@
         </p:nvCxnSpPr>
         <p:spPr>
           <a:xfrm>
-            <a:off x="3108853" y="3937000"/>
-            <a:ext cx="418975" cy="2539"/>
+            <a:off x="2939292" y="4699001"/>
+            <a:ext cx="584661" cy="5421"/>
           </a:xfrm>
           <a:prstGeom prst="bentConnector3">
             <a:avLst>
@@ -10634,8 +10337,8 @@
         </p:nvCxnSpPr>
         <p:spPr>
           <a:xfrm>
-            <a:off x="5201707" y="4112481"/>
-            <a:ext cx="1" cy="436274"/>
+            <a:off x="5859779" y="5073676"/>
+            <a:ext cx="1" cy="931504"/>
           </a:xfrm>
           <a:prstGeom prst="straightConnector1">
             <a:avLst/>
@@ -10673,8 +10376,8 @@
         </p:nvSpPr>
         <p:spPr>
           <a:xfrm rot="16200000">
-            <a:off x="956202" y="2861202"/>
-            <a:ext cx="1093635" cy="346760"/>
+            <a:off x="-469107" y="2530273"/>
+            <a:ext cx="2335057" cy="483889"/>
           </a:xfrm>
           <a:prstGeom prst="rect">
             <a:avLst/>
@@ -10743,8 +10446,8 @@
         </p:nvSpPr>
         <p:spPr>
           <a:xfrm>
-            <a:off x="1359039" y="3581400"/>
-            <a:ext cx="270504" cy="175523"/>
+            <a:off x="497503" y="3939747"/>
+            <a:ext cx="377476" cy="374765"/>
           </a:xfrm>
           <a:prstGeom prst="triangle">
             <a:avLst/>
@@ -10800,8 +10503,8 @@
         </p:nvCxnSpPr>
         <p:spPr>
           <a:xfrm rot="10800000">
-            <a:off x="1494292" y="3756924"/>
-            <a:ext cx="520927" cy="180077"/>
+            <a:off x="686243" y="4314514"/>
+            <a:ext cx="726931" cy="384488"/>
           </a:xfrm>
           <a:prstGeom prst="bentConnector2">
             <a:avLst/>
@@ -10842,8 +10545,8 @@
         </p:nvCxnSpPr>
         <p:spPr>
           <a:xfrm flipV="1">
-            <a:off x="4113278" y="3939101"/>
-            <a:ext cx="702407" cy="438"/>
+            <a:off x="4340924" y="4703487"/>
+            <a:ext cx="980179" cy="936"/>
           </a:xfrm>
           <a:prstGeom prst="straightConnector1">
             <a:avLst/>
@@ -10883,8 +10586,8 @@
         </p:nvCxnSpPr>
         <p:spPr>
           <a:xfrm flipH="1">
-            <a:off x="2562035" y="4110380"/>
-            <a:ext cx="1" cy="438375"/>
+            <a:off x="2176232" y="5069190"/>
+            <a:ext cx="1" cy="935990"/>
           </a:xfrm>
           <a:prstGeom prst="straightConnector1">
             <a:avLst/>
@@ -10921,8 +10624,8 @@
         </p:nvCxnSpPr>
         <p:spPr>
           <a:xfrm>
-            <a:off x="893311" y="2984905"/>
-            <a:ext cx="419548" cy="2860"/>
+            <a:off x="-152400" y="2666150"/>
+            <a:ext cx="585461" cy="6106"/>
           </a:xfrm>
           <a:prstGeom prst="bentConnector3">
             <a:avLst>
@@ -10967,8 +10670,8 @@
         </p:nvCxnSpPr>
         <p:spPr>
           <a:xfrm rot="16200000" flipH="1">
-            <a:off x="3880820" y="2444835"/>
-            <a:ext cx="2101" cy="2639671"/>
+            <a:off x="4015762" y="2489281"/>
+            <a:ext cx="4486" cy="3683546"/>
           </a:xfrm>
           <a:prstGeom prst="bentConnector3">
             <a:avLst>
@@ -11008,8 +10711,8 @@
         </p:nvGrpSpPr>
         <p:grpSpPr>
           <a:xfrm>
-            <a:off x="4064583" y="3334635"/>
-            <a:ext cx="889000" cy="230832"/>
+            <a:off x="4272972" y="3412870"/>
+            <a:ext cx="1240561" cy="492858"/>
             <a:chOff x="2895600" y="807932"/>
             <a:chExt cx="889000" cy="230832"/>
           </a:xfrm>
@@ -11108,8 +10811,8 @@
         </p:nvGrpSpPr>
         <p:grpSpPr>
           <a:xfrm>
-            <a:off x="3973516" y="2512368"/>
-            <a:ext cx="868568" cy="230832"/>
+            <a:off x="4145892" y="1657220"/>
+            <a:ext cx="1212049" cy="492858"/>
             <a:chOff x="2755838" y="789460"/>
             <a:chExt cx="868568" cy="230832"/>
           </a:xfrm>
@@ -11207,8 +10910,8 @@
         </p:nvSpPr>
         <p:spPr>
           <a:xfrm>
-            <a:off x="3210180" y="2423264"/>
-            <a:ext cx="131116" cy="230832"/>
+            <a:off x="3080690" y="1466971"/>
+            <a:ext cx="182967" cy="492858"/>
           </a:xfrm>
           <a:prstGeom prst="rect">
             <a:avLst/>
@@ -11246,8 +10949,8 @@
         </p:nvSpPr>
         <p:spPr>
           <a:xfrm>
-            <a:off x="3341296" y="3700114"/>
-            <a:ext cx="131116" cy="230832"/>
+            <a:off x="3263657" y="4193217"/>
+            <a:ext cx="182967" cy="492858"/>
           </a:xfrm>
           <a:prstGeom prst="rect">
             <a:avLst/>
@@ -11285,8 +10988,8 @@
         </p:nvGrpSpPr>
         <p:grpSpPr>
           <a:xfrm>
-            <a:off x="4038600" y="3962400"/>
-            <a:ext cx="685800" cy="230832"/>
+            <a:off x="4236714" y="4753234"/>
+            <a:ext cx="957004" cy="492858"/>
             <a:chOff x="2797314" y="807932"/>
             <a:chExt cx="685800" cy="230832"/>
           </a:xfrm>
@@ -11377,6 +11080,435 @@
           </p:txBody>
         </p:sp>
       </p:grpSp>
+      <p:cxnSp>
+        <p:nvCxnSpPr>
+          <p:cNvPr id="15" name="Elbow Connector 63"/>
+          <p:cNvCxnSpPr>
+            <a:stCxn id="5" idx="3"/>
+            <a:endCxn id="8" idx="3"/>
+          </p:cNvCxnSpPr>
+          <p:nvPr/>
+        </p:nvCxnSpPr>
+        <p:spPr>
+          <a:xfrm rot="10800000" flipV="1">
+            <a:off x="6675696" y="939929"/>
+            <a:ext cx="313787" cy="3682149"/>
+          </a:xfrm>
+          <a:prstGeom prst="bentConnector3">
+            <a:avLst>
+              <a:gd name="adj1" fmla="val 50000"/>
+            </a:avLst>
+          </a:prstGeom>
+          <a:ln w="19050">
+            <a:solidFill>
+              <a:srgbClr val="0070C0"/>
+            </a:solidFill>
+            <a:headEnd type="none" w="med" len="med"/>
+            <a:tailEnd type="none" w="med" len="med"/>
+          </a:ln>
+          <a:effectLst/>
+        </p:spPr>
+        <p:style>
+          <a:lnRef idx="1">
+            <a:schemeClr val="accent2"/>
+          </a:lnRef>
+          <a:fillRef idx="2">
+            <a:schemeClr val="accent2"/>
+          </a:fillRef>
+          <a:effectRef idx="1">
+            <a:schemeClr val="accent2"/>
+          </a:effectRef>
+          <a:fontRef idx="minor">
+            <a:schemeClr val="dk1"/>
+          </a:fontRef>
+        </p:style>
+      </p:cxnSp>
+      <p:cxnSp>
+        <p:nvCxnSpPr>
+          <p:cNvPr id="16" name="Elbow Connector 63"/>
+          <p:cNvCxnSpPr>
+            <a:stCxn id="8" idx="3"/>
+            <a:endCxn id="12" idx="3"/>
+          </p:cNvCxnSpPr>
+          <p:nvPr/>
+        </p:nvCxnSpPr>
+        <p:spPr>
+          <a:xfrm flipV="1">
+            <a:off x="6675695" y="2184004"/>
+            <a:ext cx="313786" cy="2438075"/>
+          </a:xfrm>
+          <a:prstGeom prst="bentConnector3">
+            <a:avLst>
+              <a:gd name="adj1" fmla="val 50000"/>
+            </a:avLst>
+          </a:prstGeom>
+          <a:ln w="19050">
+            <a:solidFill>
+              <a:srgbClr val="0070C0"/>
+            </a:solidFill>
+            <a:headEnd type="none" w="med" len="med"/>
+            <a:tailEnd type="none" w="med" len="med"/>
+          </a:ln>
+          <a:effectLst/>
+        </p:spPr>
+        <p:style>
+          <a:lnRef idx="1">
+            <a:schemeClr val="accent2"/>
+          </a:lnRef>
+          <a:fillRef idx="2">
+            <a:schemeClr val="accent2"/>
+          </a:fillRef>
+          <a:effectRef idx="1">
+            <a:schemeClr val="accent2"/>
+          </a:effectRef>
+          <a:fontRef idx="minor">
+            <a:schemeClr val="dk1"/>
+          </a:fontRef>
+        </p:style>
+      </p:cxnSp>
+      <p:cxnSp>
+        <p:nvCxnSpPr>
+          <p:cNvPr id="17" name="Elbow Connector 63"/>
+          <p:cNvCxnSpPr>
+            <a:stCxn id="8" idx="3"/>
+            <a:endCxn id="11" idx="3"/>
+          </p:cNvCxnSpPr>
+          <p:nvPr/>
+        </p:nvCxnSpPr>
+        <p:spPr>
+          <a:xfrm flipV="1">
+            <a:off x="6675695" y="1356992"/>
+            <a:ext cx="313787" cy="3265087"/>
+          </a:xfrm>
+          <a:prstGeom prst="bentConnector3">
+            <a:avLst>
+              <a:gd name="adj1" fmla="val 50000"/>
+            </a:avLst>
+          </a:prstGeom>
+          <a:ln w="19050">
+            <a:solidFill>
+              <a:srgbClr val="0070C0"/>
+            </a:solidFill>
+            <a:headEnd type="none" w="med" len="med"/>
+            <a:tailEnd type="none" w="med" len="med"/>
+          </a:ln>
+          <a:effectLst/>
+        </p:spPr>
+        <p:style>
+          <a:lnRef idx="1">
+            <a:schemeClr val="accent2"/>
+          </a:lnRef>
+          <a:fillRef idx="2">
+            <a:schemeClr val="accent2"/>
+          </a:fillRef>
+          <a:effectRef idx="1">
+            <a:schemeClr val="accent2"/>
+          </a:effectRef>
+          <a:fontRef idx="minor">
+            <a:schemeClr val="dk1"/>
+          </a:fontRef>
+        </p:style>
+      </p:cxnSp>
+      <p:cxnSp>
+        <p:nvCxnSpPr>
+          <p:cNvPr id="45" name="Elbow Connector 63"/>
+          <p:cNvCxnSpPr>
+            <a:stCxn id="8" idx="3"/>
+            <a:endCxn id="44" idx="3"/>
+          </p:cNvCxnSpPr>
+          <p:nvPr/>
+        </p:nvCxnSpPr>
+        <p:spPr>
+          <a:xfrm flipV="1">
+            <a:off x="6675695" y="1770738"/>
+            <a:ext cx="318871" cy="2851341"/>
+          </a:xfrm>
+          <a:prstGeom prst="bentConnector3">
+            <a:avLst>
+              <a:gd name="adj1" fmla="val 50000"/>
+            </a:avLst>
+          </a:prstGeom>
+          <a:ln w="19050">
+            <a:solidFill>
+              <a:srgbClr val="0070C0"/>
+            </a:solidFill>
+            <a:headEnd type="none" w="med" len="med"/>
+            <a:tailEnd type="none" w="med" len="med"/>
+          </a:ln>
+          <a:effectLst/>
+        </p:spPr>
+        <p:style>
+          <a:lnRef idx="1">
+            <a:schemeClr val="accent2"/>
+          </a:lnRef>
+          <a:fillRef idx="2">
+            <a:schemeClr val="accent2"/>
+          </a:fillRef>
+          <a:effectRef idx="1">
+            <a:schemeClr val="accent2"/>
+          </a:effectRef>
+          <a:fontRef idx="minor">
+            <a:schemeClr val="dk1"/>
+          </a:fontRef>
+        </p:style>
+      </p:cxnSp>
+      <p:cxnSp>
+        <p:nvCxnSpPr>
+          <p:cNvPr id="46" name="Elbow Connector 122"/>
+          <p:cNvCxnSpPr/>
+          <p:nvPr/>
+        </p:nvCxnSpPr>
+        <p:spPr>
+          <a:xfrm rot="5400000" flipH="1" flipV="1">
+            <a:off x="796576" y="3377292"/>
+            <a:ext cx="1883838" cy="17722"/>
+          </a:xfrm>
+          <a:prstGeom prst="bentConnector3">
+            <a:avLst>
+              <a:gd name="adj1" fmla="val 50000"/>
+            </a:avLst>
+          </a:prstGeom>
+          <a:ln w="19050">
+            <a:solidFill>
+              <a:srgbClr val="0070C0"/>
+            </a:solidFill>
+            <a:prstDash val="sysDot"/>
+            <a:headEnd type="none" w="med" len="med"/>
+            <a:tailEnd type="arrow" w="med" len="med"/>
+          </a:ln>
+          <a:effectLst/>
+        </p:spPr>
+        <p:style>
+          <a:lnRef idx="1">
+            <a:schemeClr val="accent2"/>
+          </a:lnRef>
+          <a:fillRef idx="2">
+            <a:schemeClr val="accent2"/>
+          </a:fillRef>
+          <a:effectRef idx="1">
+            <a:schemeClr val="accent2"/>
+          </a:effectRef>
+          <a:fontRef idx="minor">
+            <a:schemeClr val="dk1"/>
+          </a:fontRef>
+        </p:style>
+      </p:cxnSp>
+      <p:cxnSp>
+        <p:nvCxnSpPr>
+          <p:cNvPr id="47" name="Straight Arrow Connector 57"/>
+          <p:cNvCxnSpPr>
+            <a:endCxn id="8" idx="3"/>
+          </p:cNvCxnSpPr>
+          <p:nvPr/>
+        </p:nvCxnSpPr>
+        <p:spPr>
+          <a:xfrm rot="5400000">
+            <a:off x="5728866" y="3521656"/>
+            <a:ext cx="2047254" cy="153594"/>
+          </a:xfrm>
+          <a:prstGeom prst="bentConnector2">
+            <a:avLst/>
+          </a:prstGeom>
+          <a:ln w="19050">
+            <a:solidFill>
+              <a:srgbClr val="0070C0"/>
+            </a:solidFill>
+            <a:headEnd type="none" w="med" len="med"/>
+            <a:tailEnd type="arrow" w="med" len="med"/>
+          </a:ln>
+          <a:effectLst/>
+        </p:spPr>
+        <p:style>
+          <a:lnRef idx="1">
+            <a:schemeClr val="accent2"/>
+          </a:lnRef>
+          <a:fillRef idx="2">
+            <a:schemeClr val="accent2"/>
+          </a:fillRef>
+          <a:effectRef idx="1">
+            <a:schemeClr val="accent2"/>
+          </a:effectRef>
+          <a:fontRef idx="minor">
+            <a:schemeClr val="dk1"/>
+          </a:fontRef>
+        </p:style>
+      </p:cxnSp>
+      <p:sp>
+        <p:nvSpPr>
+          <p:cNvPr id="5" name="Rectangle 11"/>
+          <p:cNvSpPr/>
+          <p:nvPr/>
+        </p:nvSpPr>
+        <p:spPr>
+          <a:xfrm flipH="1">
+            <a:off x="6989482" y="762001"/>
+            <a:ext cx="1158834" cy="355857"/>
+          </a:xfrm>
+          <a:prstGeom prst="rect">
+            <a:avLst/>
+          </a:prstGeom>
+          <a:ln w="19050">
+            <a:solidFill>
+              <a:srgbClr val="0070C0"/>
+            </a:solidFill>
+          </a:ln>
+          <a:effectLst/>
+        </p:spPr>
+        <p:style>
+          <a:lnRef idx="1">
+            <a:schemeClr val="accent1"/>
+          </a:lnRef>
+          <a:fillRef idx="2">
+            <a:schemeClr val="accent1"/>
+          </a:fillRef>
+          <a:effectRef idx="1">
+            <a:schemeClr val="accent1"/>
+          </a:effectRef>
+          <a:fontRef idx="minor">
+            <a:schemeClr val="dk1"/>
+          </a:fontRef>
+        </p:style>
+        <p:txBody>
+          <a:bodyPr rtlCol="0" anchor="ctr"/>
+          <a:lstStyle/>
+          <a:p>
+            <a:pPr algn="ctr"/>
+            <a:r>
+              <a:rPr lang="en-US" sz="1050" b="1" dirty="0" err="1">
+                <a:solidFill>
+                  <a:srgbClr val="0070C0"/>
+                </a:solidFill>
+              </a:rPr>
+              <a:t>AddCommand</a:t>
+            </a:r>
+            <a:endParaRPr lang="en-SG" sz="1050" b="1" dirty="0">
+              <a:solidFill>
+                <a:srgbClr val="0070C0"/>
+              </a:solidFill>
+            </a:endParaRPr>
+          </a:p>
+        </p:txBody>
+      </p:sp>
+      <p:sp>
+        <p:nvSpPr>
+          <p:cNvPr id="11" name="Rectangle 11"/>
+          <p:cNvSpPr/>
+          <p:nvPr/>
+        </p:nvSpPr>
+        <p:spPr>
+          <a:xfrm flipH="1">
+            <a:off x="6989482" y="1179063"/>
+            <a:ext cx="1158834" cy="355857"/>
+          </a:xfrm>
+          <a:prstGeom prst="rect">
+            <a:avLst/>
+          </a:prstGeom>
+          <a:ln w="19050">
+            <a:solidFill>
+              <a:srgbClr val="0070C0"/>
+            </a:solidFill>
+          </a:ln>
+          <a:effectLst/>
+        </p:spPr>
+        <p:style>
+          <a:lnRef idx="1">
+            <a:schemeClr val="accent1"/>
+          </a:lnRef>
+          <a:fillRef idx="2">
+            <a:schemeClr val="accent1"/>
+          </a:fillRef>
+          <a:effectRef idx="1">
+            <a:schemeClr val="accent1"/>
+          </a:effectRef>
+          <a:fontRef idx="minor">
+            <a:schemeClr val="dk1"/>
+          </a:fontRef>
+        </p:style>
+        <p:txBody>
+          <a:bodyPr rtlCol="0" anchor="ctr"/>
+          <a:lstStyle/>
+          <a:p>
+            <a:pPr algn="ctr"/>
+            <a:r>
+              <a:rPr lang="en-US" sz="1050" b="1" dirty="0" err="1" smtClean="0">
+                <a:solidFill>
+                  <a:srgbClr val="0070C0"/>
+                </a:solidFill>
+              </a:rPr>
+              <a:t>Show</a:t>
+            </a:r>
+            <a:r>
+              <a:rPr lang="en-US" sz="1050" b="1" dirty="0" err="1" smtClean="0">
+                <a:solidFill>
+                  <a:srgbClr val="0070C0"/>
+                </a:solidFill>
+              </a:rPr>
+              <a:t>Command</a:t>
+            </a:r>
+            <a:endParaRPr lang="en-SG" sz="1050" b="1" dirty="0">
+              <a:solidFill>
+                <a:srgbClr val="0070C0"/>
+              </a:solidFill>
+            </a:endParaRPr>
+          </a:p>
+        </p:txBody>
+      </p:sp>
+      <p:sp>
+        <p:nvSpPr>
+          <p:cNvPr id="12" name="Rectangle 11"/>
+          <p:cNvSpPr/>
+          <p:nvPr/>
+        </p:nvSpPr>
+        <p:spPr>
+          <a:xfrm flipH="1">
+            <a:off x="6989481" y="2006075"/>
+            <a:ext cx="1158834" cy="355857"/>
+          </a:xfrm>
+          <a:prstGeom prst="rect">
+            <a:avLst/>
+          </a:prstGeom>
+          <a:ln w="19050">
+            <a:solidFill>
+              <a:srgbClr val="0070C0"/>
+            </a:solidFill>
+          </a:ln>
+          <a:effectLst/>
+        </p:spPr>
+        <p:style>
+          <a:lnRef idx="1">
+            <a:schemeClr val="accent1"/>
+          </a:lnRef>
+          <a:fillRef idx="2">
+            <a:schemeClr val="accent1"/>
+          </a:fillRef>
+          <a:effectRef idx="1">
+            <a:schemeClr val="accent1"/>
+          </a:effectRef>
+          <a:fontRef idx="minor">
+            <a:schemeClr val="dk1"/>
+          </a:fontRef>
+        </p:style>
+        <p:txBody>
+          <a:bodyPr rtlCol="0" anchor="ctr"/>
+          <a:lstStyle/>
+          <a:p>
+            <a:pPr algn="ctr"/>
+            <a:r>
+              <a:rPr lang="en-US" sz="1050" b="1" dirty="0" err="1" smtClean="0">
+                <a:solidFill>
+                  <a:srgbClr val="0070C0"/>
+                </a:solidFill>
+              </a:rPr>
+              <a:t>DeleteCommand</a:t>
+            </a:r>
+            <a:endParaRPr lang="en-SG" sz="1050" b="1" dirty="0">
+              <a:solidFill>
+                <a:srgbClr val="0070C0"/>
+              </a:solidFill>
+            </a:endParaRPr>
+          </a:p>
+        </p:txBody>
+      </p:sp>
       <p:sp>
         <p:nvSpPr>
           <p:cNvPr id="44" name="Rectangle 11"/>
@@ -11385,8 +11517,8 @@
         </p:nvSpPr>
         <p:spPr>
           <a:xfrm flipH="1">
-            <a:off x="6185390" y="3458098"/>
-            <a:ext cx="1093635" cy="346760"/>
+            <a:off x="6994566" y="1592809"/>
+            <a:ext cx="1158834" cy="355857"/>
           </a:xfrm>
           <a:prstGeom prst="rect">
             <a:avLst/>
@@ -11448,24 +11580,411 @@
           </a:p>
         </p:txBody>
       </p:sp>
+      <p:sp>
+        <p:nvSpPr>
+          <p:cNvPr id="52" name="Rectangle 51"/>
+          <p:cNvSpPr/>
+          <p:nvPr/>
+        </p:nvSpPr>
+        <p:spPr>
+          <a:xfrm flipH="1">
+            <a:off x="6981744" y="2406058"/>
+            <a:ext cx="1158834" cy="355857"/>
+          </a:xfrm>
+          <a:prstGeom prst="rect">
+            <a:avLst/>
+          </a:prstGeom>
+          <a:ln w="19050">
+            <a:solidFill>
+              <a:srgbClr val="0070C0"/>
+            </a:solidFill>
+          </a:ln>
+          <a:effectLst/>
+        </p:spPr>
+        <p:style>
+          <a:lnRef idx="1">
+            <a:schemeClr val="accent1"/>
+          </a:lnRef>
+          <a:fillRef idx="2">
+            <a:schemeClr val="accent1"/>
+          </a:fillRef>
+          <a:effectRef idx="1">
+            <a:schemeClr val="accent1"/>
+          </a:effectRef>
+          <a:fontRef idx="minor">
+            <a:schemeClr val="dk1"/>
+          </a:fontRef>
+        </p:style>
+        <p:txBody>
+          <a:bodyPr rtlCol="0" anchor="ctr"/>
+          <a:lstStyle/>
+          <a:p>
+            <a:pPr algn="ctr"/>
+            <a:r>
+              <a:rPr lang="en-US" sz="1050" b="1" dirty="0" err="1" smtClean="0">
+                <a:solidFill>
+                  <a:srgbClr val="0070C0"/>
+                </a:solidFill>
+              </a:rPr>
+              <a:t>DoneCommand</a:t>
+            </a:r>
+            <a:endParaRPr lang="en-SG" sz="1050" b="1" dirty="0">
+              <a:solidFill>
+                <a:srgbClr val="0070C0"/>
+              </a:solidFill>
+            </a:endParaRPr>
+          </a:p>
+        </p:txBody>
+      </p:sp>
+      <p:sp>
+        <p:nvSpPr>
+          <p:cNvPr id="53" name="Rectangle 52"/>
+          <p:cNvSpPr/>
+          <p:nvPr/>
+        </p:nvSpPr>
+        <p:spPr>
+          <a:xfrm flipH="1">
+            <a:off x="6981744" y="2806041"/>
+            <a:ext cx="1158834" cy="355857"/>
+          </a:xfrm>
+          <a:prstGeom prst="rect">
+            <a:avLst/>
+          </a:prstGeom>
+          <a:ln w="19050">
+            <a:solidFill>
+              <a:srgbClr val="0070C0"/>
+            </a:solidFill>
+          </a:ln>
+          <a:effectLst/>
+        </p:spPr>
+        <p:style>
+          <a:lnRef idx="1">
+            <a:schemeClr val="accent1"/>
+          </a:lnRef>
+          <a:fillRef idx="2">
+            <a:schemeClr val="accent1"/>
+          </a:fillRef>
+          <a:effectRef idx="1">
+            <a:schemeClr val="accent1"/>
+          </a:effectRef>
+          <a:fontRef idx="minor">
+            <a:schemeClr val="dk1"/>
+          </a:fontRef>
+        </p:style>
+        <p:txBody>
+          <a:bodyPr rtlCol="0" anchor="ctr"/>
+          <a:lstStyle/>
+          <a:p>
+            <a:pPr algn="ctr"/>
+            <a:r>
+              <a:rPr lang="en-US" sz="1050" b="1" dirty="0" err="1" smtClean="0">
+                <a:solidFill>
+                  <a:srgbClr val="0070C0"/>
+                </a:solidFill>
+              </a:rPr>
+              <a:t>ExitCommand</a:t>
+            </a:r>
+            <a:endParaRPr lang="en-SG" sz="1050" b="1" dirty="0">
+              <a:solidFill>
+                <a:srgbClr val="0070C0"/>
+              </a:solidFill>
+            </a:endParaRPr>
+          </a:p>
+        </p:txBody>
+      </p:sp>
+      <p:sp>
+        <p:nvSpPr>
+          <p:cNvPr id="54" name="Rectangle 53"/>
+          <p:cNvSpPr/>
+          <p:nvPr/>
+        </p:nvSpPr>
+        <p:spPr>
+          <a:xfrm flipH="1">
+            <a:off x="6981744" y="3228561"/>
+            <a:ext cx="1158834" cy="355857"/>
+          </a:xfrm>
+          <a:prstGeom prst="rect">
+            <a:avLst/>
+          </a:prstGeom>
+          <a:ln w="19050">
+            <a:solidFill>
+              <a:srgbClr val="0070C0"/>
+            </a:solidFill>
+          </a:ln>
+          <a:effectLst/>
+        </p:spPr>
+        <p:style>
+          <a:lnRef idx="1">
+            <a:schemeClr val="accent1"/>
+          </a:lnRef>
+          <a:fillRef idx="2">
+            <a:schemeClr val="accent1"/>
+          </a:fillRef>
+          <a:effectRef idx="1">
+            <a:schemeClr val="accent1"/>
+          </a:effectRef>
+          <a:fontRef idx="minor">
+            <a:schemeClr val="dk1"/>
+          </a:fontRef>
+        </p:style>
+        <p:txBody>
+          <a:bodyPr rtlCol="0" anchor="ctr"/>
+          <a:lstStyle/>
+          <a:p>
+            <a:pPr algn="ctr"/>
+            <a:r>
+              <a:rPr lang="en-US" sz="1050" b="1" dirty="0" err="1" smtClean="0">
+                <a:solidFill>
+                  <a:srgbClr val="0070C0"/>
+                </a:solidFill>
+              </a:rPr>
+              <a:t>HelpCommand</a:t>
+            </a:r>
+            <a:endParaRPr lang="en-SG" sz="1050" b="1" dirty="0">
+              <a:solidFill>
+                <a:srgbClr val="0070C0"/>
+              </a:solidFill>
+            </a:endParaRPr>
+          </a:p>
+        </p:txBody>
+      </p:sp>
+      <p:sp>
+        <p:nvSpPr>
+          <p:cNvPr id="55" name="Rectangle 54"/>
+          <p:cNvSpPr/>
+          <p:nvPr/>
+        </p:nvSpPr>
+        <p:spPr>
+          <a:xfrm flipH="1">
+            <a:off x="6981744" y="3628544"/>
+            <a:ext cx="1158834" cy="355857"/>
+          </a:xfrm>
+          <a:prstGeom prst="rect">
+            <a:avLst/>
+          </a:prstGeom>
+          <a:ln w="19050">
+            <a:solidFill>
+              <a:srgbClr val="0070C0"/>
+            </a:solidFill>
+          </a:ln>
+          <a:effectLst/>
+        </p:spPr>
+        <p:style>
+          <a:lnRef idx="1">
+            <a:schemeClr val="accent1"/>
+          </a:lnRef>
+          <a:fillRef idx="2">
+            <a:schemeClr val="accent1"/>
+          </a:fillRef>
+          <a:effectRef idx="1">
+            <a:schemeClr val="accent1"/>
+          </a:effectRef>
+          <a:fontRef idx="minor">
+            <a:schemeClr val="dk1"/>
+          </a:fontRef>
+        </p:style>
+        <p:txBody>
+          <a:bodyPr rtlCol="0" anchor="ctr"/>
+          <a:lstStyle/>
+          <a:p>
+            <a:pPr algn="ctr"/>
+            <a:r>
+              <a:rPr lang="en-US" sz="1050" b="1" dirty="0" err="1" smtClean="0">
+                <a:solidFill>
+                  <a:srgbClr val="0070C0"/>
+                </a:solidFill>
+              </a:rPr>
+              <a:t>SetStorageCommand</a:t>
+            </a:r>
+            <a:endParaRPr lang="en-SG" sz="1050" b="1" dirty="0">
+              <a:solidFill>
+                <a:srgbClr val="0070C0"/>
+              </a:solidFill>
+            </a:endParaRPr>
+          </a:p>
+        </p:txBody>
+      </p:sp>
+      <p:sp>
+        <p:nvSpPr>
+          <p:cNvPr id="58" name="Rectangle 57"/>
+          <p:cNvSpPr/>
+          <p:nvPr/>
+        </p:nvSpPr>
+        <p:spPr>
+          <a:xfrm flipH="1">
+            <a:off x="6994566" y="4023123"/>
+            <a:ext cx="1158834" cy="355857"/>
+          </a:xfrm>
+          <a:prstGeom prst="rect">
+            <a:avLst/>
+          </a:prstGeom>
+          <a:ln w="19050">
+            <a:solidFill>
+              <a:srgbClr val="0070C0"/>
+            </a:solidFill>
+          </a:ln>
+          <a:effectLst/>
+        </p:spPr>
+        <p:style>
+          <a:lnRef idx="1">
+            <a:schemeClr val="accent1"/>
+          </a:lnRef>
+          <a:fillRef idx="2">
+            <a:schemeClr val="accent1"/>
+          </a:fillRef>
+          <a:effectRef idx="1">
+            <a:schemeClr val="accent1"/>
+          </a:effectRef>
+          <a:fontRef idx="minor">
+            <a:schemeClr val="dk1"/>
+          </a:fontRef>
+        </p:style>
+        <p:txBody>
+          <a:bodyPr rtlCol="0" anchor="ctr"/>
+          <a:lstStyle/>
+          <a:p>
+            <a:pPr algn="ctr"/>
+            <a:r>
+              <a:rPr lang="en-US" sz="1050" b="1" dirty="0" err="1" smtClean="0">
+                <a:solidFill>
+                  <a:srgbClr val="0070C0"/>
+                </a:solidFill>
+              </a:rPr>
+              <a:t>UndoCommand</a:t>
+            </a:r>
+            <a:endParaRPr lang="en-SG" sz="1050" b="1" dirty="0">
+              <a:solidFill>
+                <a:srgbClr val="0070C0"/>
+              </a:solidFill>
+            </a:endParaRPr>
+          </a:p>
+        </p:txBody>
+      </p:sp>
+      <p:sp>
+        <p:nvSpPr>
+          <p:cNvPr id="59" name="Rectangle 58"/>
+          <p:cNvSpPr/>
+          <p:nvPr/>
+        </p:nvSpPr>
+        <p:spPr>
+          <a:xfrm flipH="1">
+            <a:off x="6994566" y="4444743"/>
+            <a:ext cx="1158834" cy="355857"/>
+          </a:xfrm>
+          <a:prstGeom prst="rect">
+            <a:avLst/>
+          </a:prstGeom>
+          <a:ln w="19050">
+            <a:solidFill>
+              <a:srgbClr val="0070C0"/>
+            </a:solidFill>
+          </a:ln>
+          <a:effectLst/>
+        </p:spPr>
+        <p:style>
+          <a:lnRef idx="1">
+            <a:schemeClr val="accent1"/>
+          </a:lnRef>
+          <a:fillRef idx="2">
+            <a:schemeClr val="accent1"/>
+          </a:fillRef>
+          <a:effectRef idx="1">
+            <a:schemeClr val="accent1"/>
+          </a:effectRef>
+          <a:fontRef idx="minor">
+            <a:schemeClr val="dk1"/>
+          </a:fontRef>
+        </p:style>
+        <p:txBody>
+          <a:bodyPr rtlCol="0" anchor="ctr"/>
+          <a:lstStyle/>
+          <a:p>
+            <a:pPr algn="ctr"/>
+            <a:r>
+              <a:rPr lang="en-US" sz="1050" b="1" dirty="0" err="1" smtClean="0">
+                <a:solidFill>
+                  <a:srgbClr val="0070C0"/>
+                </a:solidFill>
+              </a:rPr>
+              <a:t>RedoCommand</a:t>
+            </a:r>
+            <a:endParaRPr lang="en-SG" sz="1050" b="1" dirty="0">
+              <a:solidFill>
+                <a:srgbClr val="0070C0"/>
+              </a:solidFill>
+            </a:endParaRPr>
+          </a:p>
+        </p:txBody>
+      </p:sp>
+      <p:sp>
+        <p:nvSpPr>
+          <p:cNvPr id="61" name="Rectangle 60"/>
+          <p:cNvSpPr/>
+          <p:nvPr/>
+        </p:nvSpPr>
+        <p:spPr>
+          <a:xfrm flipH="1">
+            <a:off x="7010400" y="4876800"/>
+            <a:ext cx="1158834" cy="355857"/>
+          </a:xfrm>
+          <a:prstGeom prst="rect">
+            <a:avLst/>
+          </a:prstGeom>
+          <a:ln w="19050">
+            <a:solidFill>
+              <a:srgbClr val="0070C0"/>
+            </a:solidFill>
+          </a:ln>
+          <a:effectLst/>
+        </p:spPr>
+        <p:style>
+          <a:lnRef idx="1">
+            <a:schemeClr val="accent1"/>
+          </a:lnRef>
+          <a:fillRef idx="2">
+            <a:schemeClr val="accent1"/>
+          </a:fillRef>
+          <a:effectRef idx="1">
+            <a:schemeClr val="accent1"/>
+          </a:effectRef>
+          <a:fontRef idx="minor">
+            <a:schemeClr val="dk1"/>
+          </a:fontRef>
+        </p:style>
+        <p:txBody>
+          <a:bodyPr rtlCol="0" anchor="ctr"/>
+          <a:lstStyle/>
+          <a:p>
+            <a:pPr algn="ctr"/>
+            <a:r>
+              <a:rPr lang="en-US" sz="1050" b="1" dirty="0" err="1" smtClean="0">
+                <a:solidFill>
+                  <a:srgbClr val="0070C0"/>
+                </a:solidFill>
+              </a:rPr>
+              <a:t>UpdateCommand</a:t>
+            </a:r>
+            <a:endParaRPr lang="en-SG" sz="1050" b="1" dirty="0">
+              <a:solidFill>
+                <a:srgbClr val="0070C0"/>
+              </a:solidFill>
+            </a:endParaRPr>
+          </a:p>
+        </p:txBody>
+      </p:sp>
       <p:cxnSp>
         <p:nvCxnSpPr>
-          <p:cNvPr id="45" name="Elbow Connector 63"/>
-          <p:cNvCxnSpPr>
-            <a:stCxn id="8" idx="3"/>
-            <a:endCxn id="44" idx="3"/>
-          </p:cNvCxnSpPr>
+          <p:cNvPr id="62" name="Elbow Connector 63"/>
+          <p:cNvCxnSpPr/>
           <p:nvPr/>
         </p:nvCxnSpPr>
         <p:spPr>
-          <a:xfrm flipV="1">
-            <a:off x="5786402" y="3631478"/>
-            <a:ext cx="398988" cy="269496"/>
-          </a:xfrm>
-          <a:prstGeom prst="bentConnector3">
-            <a:avLst>
-              <a:gd name="adj1" fmla="val 50000"/>
-            </a:avLst>
+          <a:xfrm rot="5400000" flipH="1" flipV="1">
+            <a:off x="6675246" y="2649810"/>
+            <a:ext cx="394163" cy="123744"/>
+          </a:xfrm>
+          <a:prstGeom prst="bentConnector2">
+            <a:avLst/>
           </a:prstGeom>
           <a:ln w="19050">
             <a:solidFill>
@@ -11493,27 +12012,226 @@
       </p:cxnSp>
       <p:cxnSp>
         <p:nvCxnSpPr>
-          <p:cNvPr id="46" name="Elbow Connector 122"/>
+          <p:cNvPr id="89" name="Elbow Connector 63"/>
           <p:cNvCxnSpPr/>
           <p:nvPr/>
         </p:nvCxnSpPr>
         <p:spPr>
           <a:xfrm rot="5400000" flipH="1" flipV="1">
-            <a:off x="1807196" y="3315772"/>
-            <a:ext cx="882304" cy="12700"/>
+            <a:off x="6664325" y="3165475"/>
+            <a:ext cx="463550" cy="76200"/>
           </a:xfrm>
           <a:prstGeom prst="bentConnector3">
             <a:avLst>
-              <a:gd name="adj1" fmla="val 50000"/>
+              <a:gd name="adj1" fmla="val 105444"/>
             </a:avLst>
           </a:prstGeom>
           <a:ln w="19050">
             <a:solidFill>
               <a:srgbClr val="0070C0"/>
             </a:solidFill>
-            <a:prstDash val="sysDot"/>
             <a:headEnd type="none" w="med" len="med"/>
-            <a:tailEnd type="arrow" w="med" len="med"/>
+            <a:tailEnd type="none" w="med" len="med"/>
+          </a:ln>
+          <a:effectLst/>
+        </p:spPr>
+        <p:style>
+          <a:lnRef idx="1">
+            <a:schemeClr val="accent2"/>
+          </a:lnRef>
+          <a:fillRef idx="2">
+            <a:schemeClr val="accent2"/>
+          </a:fillRef>
+          <a:effectRef idx="1">
+            <a:schemeClr val="accent2"/>
+          </a:effectRef>
+          <a:fontRef idx="minor">
+            <a:schemeClr val="dk1"/>
+          </a:fontRef>
+        </p:style>
+      </p:cxnSp>
+      <p:cxnSp>
+        <p:nvCxnSpPr>
+          <p:cNvPr id="94" name="Elbow Connector 63"/>
+          <p:cNvCxnSpPr/>
+          <p:nvPr/>
+        </p:nvCxnSpPr>
+        <p:spPr>
+          <a:xfrm rot="5400000" flipH="1" flipV="1">
+            <a:off x="6664325" y="3546475"/>
+            <a:ext cx="463550" cy="76200"/>
+          </a:xfrm>
+          <a:prstGeom prst="bentConnector3">
+            <a:avLst>
+              <a:gd name="adj1" fmla="val 105444"/>
+            </a:avLst>
+          </a:prstGeom>
+          <a:ln w="19050">
+            <a:solidFill>
+              <a:srgbClr val="0070C0"/>
+            </a:solidFill>
+            <a:headEnd type="none" w="med" len="med"/>
+            <a:tailEnd type="none" w="med" len="med"/>
+          </a:ln>
+          <a:effectLst/>
+        </p:spPr>
+        <p:style>
+          <a:lnRef idx="1">
+            <a:schemeClr val="accent2"/>
+          </a:lnRef>
+          <a:fillRef idx="2">
+            <a:schemeClr val="accent2"/>
+          </a:fillRef>
+          <a:effectRef idx="1">
+            <a:schemeClr val="accent2"/>
+          </a:effectRef>
+          <a:fontRef idx="minor">
+            <a:schemeClr val="dk1"/>
+          </a:fontRef>
+        </p:style>
+      </p:cxnSp>
+      <p:cxnSp>
+        <p:nvCxnSpPr>
+          <p:cNvPr id="95" name="Elbow Connector 63"/>
+          <p:cNvCxnSpPr/>
+          <p:nvPr/>
+        </p:nvCxnSpPr>
+        <p:spPr>
+          <a:xfrm rot="5400000" flipH="1" flipV="1">
+            <a:off x="6664325" y="3927475"/>
+            <a:ext cx="463550" cy="76200"/>
+          </a:xfrm>
+          <a:prstGeom prst="bentConnector3">
+            <a:avLst>
+              <a:gd name="adj1" fmla="val 105444"/>
+            </a:avLst>
+          </a:prstGeom>
+          <a:ln w="19050">
+            <a:solidFill>
+              <a:srgbClr val="0070C0"/>
+            </a:solidFill>
+            <a:headEnd type="none" w="med" len="med"/>
+            <a:tailEnd type="none" w="med" len="med"/>
+          </a:ln>
+          <a:effectLst/>
+        </p:spPr>
+        <p:style>
+          <a:lnRef idx="1">
+            <a:schemeClr val="accent2"/>
+          </a:lnRef>
+          <a:fillRef idx="2">
+            <a:schemeClr val="accent2"/>
+          </a:fillRef>
+          <a:effectRef idx="1">
+            <a:schemeClr val="accent2"/>
+          </a:effectRef>
+          <a:fontRef idx="minor">
+            <a:schemeClr val="dk1"/>
+          </a:fontRef>
+        </p:style>
+      </p:cxnSp>
+      <p:cxnSp>
+        <p:nvCxnSpPr>
+          <p:cNvPr id="97" name="Elbow Connector 63"/>
+          <p:cNvCxnSpPr/>
+          <p:nvPr/>
+        </p:nvCxnSpPr>
+        <p:spPr>
+          <a:xfrm rot="5400000" flipH="1" flipV="1">
+            <a:off x="6664325" y="4308475"/>
+            <a:ext cx="463550" cy="76200"/>
+          </a:xfrm>
+          <a:prstGeom prst="bentConnector3">
+            <a:avLst>
+              <a:gd name="adj1" fmla="val 105444"/>
+            </a:avLst>
+          </a:prstGeom>
+          <a:ln w="19050">
+            <a:solidFill>
+              <a:srgbClr val="0070C0"/>
+            </a:solidFill>
+            <a:headEnd type="none" w="med" len="med"/>
+            <a:tailEnd type="none" w="med" len="med"/>
+          </a:ln>
+          <a:effectLst/>
+        </p:spPr>
+        <p:style>
+          <a:lnRef idx="1">
+            <a:schemeClr val="accent2"/>
+          </a:lnRef>
+          <a:fillRef idx="2">
+            <a:schemeClr val="accent2"/>
+          </a:fillRef>
+          <a:effectRef idx="1">
+            <a:schemeClr val="accent2"/>
+          </a:effectRef>
+          <a:fontRef idx="minor">
+            <a:schemeClr val="dk1"/>
+          </a:fontRef>
+        </p:style>
+      </p:cxnSp>
+      <p:cxnSp>
+        <p:nvCxnSpPr>
+          <p:cNvPr id="98" name="Elbow Connector 63"/>
+          <p:cNvCxnSpPr/>
+          <p:nvPr/>
+        </p:nvCxnSpPr>
+        <p:spPr>
+          <a:xfrm rot="5400000" flipH="1" flipV="1">
+            <a:off x="6629400" y="4495800"/>
+            <a:ext cx="457200" cy="304800"/>
+          </a:xfrm>
+          <a:prstGeom prst="bentConnector3">
+            <a:avLst>
+              <a:gd name="adj1" fmla="val 56614"/>
+            </a:avLst>
+          </a:prstGeom>
+          <a:ln w="19050">
+            <a:solidFill>
+              <a:srgbClr val="0070C0"/>
+            </a:solidFill>
+            <a:headEnd type="none" w="med" len="med"/>
+            <a:tailEnd type="none" w="med" len="med"/>
+          </a:ln>
+          <a:effectLst/>
+        </p:spPr>
+        <p:style>
+          <a:lnRef idx="1">
+            <a:schemeClr val="accent2"/>
+          </a:lnRef>
+          <a:fillRef idx="2">
+            <a:schemeClr val="accent2"/>
+          </a:fillRef>
+          <a:effectRef idx="1">
+            <a:schemeClr val="accent2"/>
+          </a:effectRef>
+          <a:fontRef idx="minor">
+            <a:schemeClr val="dk1"/>
+          </a:fontRef>
+        </p:style>
+      </p:cxnSp>
+      <p:cxnSp>
+        <p:nvCxnSpPr>
+          <p:cNvPr id="107" name="Elbow Connector 63"/>
+          <p:cNvCxnSpPr>
+            <a:stCxn id="61" idx="3"/>
+          </p:cNvCxnSpPr>
+          <p:nvPr/>
+        </p:nvCxnSpPr>
+        <p:spPr>
+          <a:xfrm rot="10800000">
+            <a:off x="6858000" y="4648201"/>
+            <a:ext cx="152400" cy="406529"/>
+          </a:xfrm>
+          <a:prstGeom prst="bentConnector2">
+            <a:avLst/>
+          </a:prstGeom>
+          <a:ln w="19050">
+            <a:solidFill>
+              <a:srgbClr val="0070C0"/>
+            </a:solidFill>
+            <a:headEnd type="none" w="med" len="med"/>
+            <a:tailEnd type="none" w="med" len="med"/>
           </a:ln>
           <a:effectLst/>
         </p:spPr>
@@ -11545,7 +12263,7 @@
   <p:timing>
     <p:tnLst>
       <p:par>
-        <p:cTn id="1" dur="indefinite" restart="never" nodeType="tmRoot"/>
+        <p:cTn xmlns:p14="http://schemas.microsoft.com/office/powerpoint/2010/main" id="1" dur="indefinite" restart="never" nodeType="tmRoot"/>
       </p:par>
     </p:tnLst>
   </p:timing>
@@ -12280,7 +12998,6 @@
               <a:rPr lang="en-US" dirty="0"/>
               <a:t>execute()</a:t>
             </a:r>
-            <a:endParaRPr lang="en-US" dirty="0"/>
           </a:p>
         </p:txBody>
       </p:sp>
@@ -13936,7 +14653,7 @@
                   <a:srgbClr val="7030A0"/>
                 </a:solidFill>
               </a:rPr>
-              <a:t>AddressBook</a:t>
+              <a:t>TaskList</a:t>
             </a:r>
             <a:endParaRPr lang="en-SG" sz="1050" dirty="0">
               <a:solidFill>
@@ -14078,7 +14795,7 @@
                   <a:srgbClr val="7030A0"/>
                 </a:solidFill>
               </a:rPr>
-              <a:t>UniquePersonList</a:t>
+              <a:t>UniqueTaskList</a:t>
             </a:r>
             <a:endParaRPr lang="en-SG" sz="1050" dirty="0">
               <a:solidFill>
@@ -14321,7 +15038,7 @@
                   <a:srgbClr val="7030A0"/>
                 </a:solidFill>
               </a:rPr>
-              <a:t>Person</a:t>
+              <a:t>Task</a:t>
             </a:r>
             <a:endParaRPr lang="en-SG" sz="1050" dirty="0">
               <a:solidFill>
@@ -14620,7 +15337,7 @@
                   <a:srgbClr val="7030A0"/>
                 </a:solidFill>
               </a:rPr>
-              <a:t>ReadOnlyPerson</a:t>
+              <a:t>ReadOnlyTask</a:t>
             </a:r>
             <a:endParaRPr lang="en-SG" sz="1050" dirty="0">
               <a:solidFill>
@@ -14671,12 +15388,12 @@
           <a:p>
             <a:pPr algn="ctr"/>
             <a:r>
-              <a:rPr lang="en-US" sz="1050" dirty="0" smtClean="0">
+              <a:rPr lang="en-US" sz="1050" dirty="0" err="1" smtClean="0">
                 <a:solidFill>
                   <a:srgbClr val="7030A0"/>
                 </a:solidFill>
               </a:rPr>
-              <a:t>Name</a:t>
+              <a:t>TaskDetails</a:t>
             </a:r>
             <a:endParaRPr lang="en-SG" sz="1050" dirty="0">
               <a:solidFill>
@@ -14815,12 +15532,12 @@
           <a:p>
             <a:pPr algn="ctr"/>
             <a:r>
-              <a:rPr lang="en-US" sz="1050" dirty="0" smtClean="0">
+              <a:rPr lang="en-US" sz="1050" dirty="0" err="1" smtClean="0">
                 <a:solidFill>
                   <a:srgbClr val="7030A0"/>
                 </a:solidFill>
               </a:rPr>
-              <a:t>Phone</a:t>
+              <a:t>StartTime</a:t>
             </a:r>
             <a:endParaRPr lang="en-SG" sz="1050" dirty="0">
               <a:solidFill>
@@ -14912,12 +15629,12 @@
           <a:p>
             <a:pPr algn="ctr"/>
             <a:r>
-              <a:rPr lang="en-US" sz="1050" dirty="0" smtClean="0">
+              <a:rPr lang="en-US" sz="1050" dirty="0" err="1" smtClean="0">
                 <a:solidFill>
                   <a:srgbClr val="7030A0"/>
                 </a:solidFill>
               </a:rPr>
-              <a:t>Email</a:t>
+              <a:t>EndTime</a:t>
             </a:r>
             <a:endParaRPr lang="en-SG" sz="1050" dirty="0">
               <a:solidFill>
@@ -15009,12 +15726,12 @@
           <a:p>
             <a:pPr algn="ctr"/>
             <a:r>
-              <a:rPr lang="en-US" sz="1050" dirty="0" smtClean="0">
+              <a:rPr lang="en-US" sz="1050" dirty="0" err="1" smtClean="0">
                 <a:solidFill>
                   <a:srgbClr val="7030A0"/>
                 </a:solidFill>
               </a:rPr>
-              <a:t>Address</a:t>
+              <a:t>UniqueId</a:t>
             </a:r>
             <a:endParaRPr lang="en-SG" sz="1050" dirty="0">
               <a:solidFill>
@@ -15217,7 +15934,7 @@
                   <a:srgbClr val="7030A0"/>
                 </a:solidFill>
               </a:rPr>
-              <a:t>ReadOnlyAddressBook</a:t>
+              <a:t>ReadOnlyTaskList</a:t>
             </a:r>
             <a:endParaRPr lang="en-SG" sz="1050" dirty="0">
               <a:solidFill>
@@ -15367,6 +16084,138 @@
               <a:srgbClr val="7030A0"/>
             </a:solidFill>
             <a:prstDash val="sysDot"/>
+            <a:headEnd type="none" w="med" len="med"/>
+            <a:tailEnd type="arrow" w="med" len="med"/>
+          </a:ln>
+          <a:effectLst/>
+        </p:spPr>
+        <p:style>
+          <a:lnRef idx="1">
+            <a:schemeClr val="accent2"/>
+          </a:lnRef>
+          <a:fillRef idx="2">
+            <a:schemeClr val="accent2"/>
+          </a:fillRef>
+          <a:effectRef idx="1">
+            <a:schemeClr val="accent2"/>
+          </a:effectRef>
+          <a:fontRef idx="minor">
+            <a:schemeClr val="dk1"/>
+          </a:fontRef>
+        </p:style>
+      </p:cxnSp>
+      <p:cxnSp>
+        <p:nvCxnSpPr>
+          <p:cNvPr id="70" name="Elbow Connector 69"/>
+          <p:cNvCxnSpPr/>
+          <p:nvPr/>
+        </p:nvCxnSpPr>
+        <p:spPr>
+          <a:xfrm>
+            <a:off x="7467600" y="4038600"/>
+            <a:ext cx="228600" cy="0"/>
+          </a:xfrm>
+          <a:prstGeom prst="straightConnector1">
+            <a:avLst/>
+          </a:prstGeom>
+          <a:ln w="19050">
+            <a:solidFill>
+              <a:srgbClr val="7030A0"/>
+            </a:solidFill>
+            <a:headEnd type="none" w="med" len="med"/>
+            <a:tailEnd type="arrow" w="med" len="med"/>
+          </a:ln>
+          <a:effectLst/>
+        </p:spPr>
+        <p:style>
+          <a:lnRef idx="1">
+            <a:schemeClr val="accent2"/>
+          </a:lnRef>
+          <a:fillRef idx="2">
+            <a:schemeClr val="accent2"/>
+          </a:fillRef>
+          <a:effectRef idx="1">
+            <a:schemeClr val="accent2"/>
+          </a:effectRef>
+          <a:fontRef idx="minor">
+            <a:schemeClr val="dk1"/>
+          </a:fontRef>
+        </p:style>
+      </p:cxnSp>
+      <p:sp>
+        <p:nvSpPr>
+          <p:cNvPr id="82" name="Rectangle 8"/>
+          <p:cNvSpPr/>
+          <p:nvPr/>
+        </p:nvSpPr>
+        <p:spPr>
+          <a:xfrm>
+            <a:off x="7696200" y="3886200"/>
+            <a:ext cx="708186" cy="285783"/>
+          </a:xfrm>
+          <a:prstGeom prst="rect">
+            <a:avLst/>
+          </a:prstGeom>
+          <a:ln w="19050">
+            <a:solidFill>
+              <a:srgbClr val="7030A0"/>
+            </a:solidFill>
+          </a:ln>
+          <a:effectLst/>
+        </p:spPr>
+        <p:style>
+          <a:lnRef idx="1">
+            <a:schemeClr val="accent4"/>
+          </a:lnRef>
+          <a:fillRef idx="2">
+            <a:schemeClr val="accent4"/>
+          </a:fillRef>
+          <a:effectRef idx="1">
+            <a:schemeClr val="accent4"/>
+          </a:effectRef>
+          <a:fontRef idx="minor">
+            <a:schemeClr val="dk1"/>
+          </a:fontRef>
+        </p:style>
+        <p:txBody>
+          <a:bodyPr rtlCol="0" anchor="ctr"/>
+          <a:lstStyle/>
+          <a:p>
+            <a:pPr algn="ctr"/>
+            <a:r>
+              <a:rPr lang="en-US" sz="1050" dirty="0" smtClean="0">
+                <a:solidFill>
+                  <a:srgbClr val="7030A0"/>
+                </a:solidFill>
+              </a:rPr>
+              <a:t>Priority</a:t>
+            </a:r>
+            <a:endParaRPr lang="en-SG" sz="1050" dirty="0">
+              <a:solidFill>
+                <a:srgbClr val="7030A0"/>
+              </a:solidFill>
+            </a:endParaRPr>
+          </a:p>
+        </p:txBody>
+      </p:sp>
+      <p:cxnSp>
+        <p:nvCxnSpPr>
+          <p:cNvPr id="88" name="Elbow Connector 69"/>
+          <p:cNvCxnSpPr/>
+          <p:nvPr/>
+        </p:nvCxnSpPr>
+        <p:spPr>
+          <a:xfrm>
+            <a:off x="7467600" y="3581400"/>
+            <a:ext cx="0" cy="457200"/>
+          </a:xfrm>
+          <a:prstGeom prst="straightConnector1">
+            <a:avLst/>
+          </a:prstGeom>
+          <a:ln w="19050">
+            <a:solidFill>
+              <a:srgbClr val="7030A0"/>
+            </a:solidFill>
             <a:headEnd type="none" w="med" len="med"/>
             <a:tailEnd type="arrow" w="med" len="med"/>
           </a:ln>
@@ -15400,7 +16249,7 @@
   <p:timing>
     <p:tnLst>
       <p:par>
-        <p:cTn id="1" dur="indefinite" restart="never" nodeType="tmRoot"/>
+        <p:cTn xmlns:p14="http://schemas.microsoft.com/office/powerpoint/2010/main" id="1" dur="indefinite" restart="never" nodeType="tmRoot"/>
       </p:par>
     </p:tnLst>
   </p:timing>
@@ -15557,7 +16406,7 @@
                   <a:schemeClr val="bg1"/>
                 </a:solidFill>
               </a:rPr>
-              <a:t>AddressBookStorage</a:t>
+              <a:t>XmlTaskListStorage</a:t>
             </a:r>
             <a:endParaRPr lang="en-SG" sz="1050" dirty="0">
               <a:solidFill>
@@ -16130,7 +16979,7 @@
                   </a:schemeClr>
                 </a:solidFill>
               </a:rPr>
-              <a:t>XmlAddressBook</a:t>
+              <a:t>TaskListStorage</a:t>
             </a:r>
             <a:r>
               <a:rPr lang="en-US" sz="1050" b="1" dirty="0" smtClean="0">
@@ -16603,7 +17452,7 @@
                   </a:schemeClr>
                 </a:solidFill>
               </a:rPr>
-              <a:t>AddressBook</a:t>
+              <a:t>TaskList</a:t>
             </a:r>
             <a:endParaRPr lang="en-SG" sz="1050" b="1" dirty="0">
               <a:solidFill>
@@ -16756,7 +17605,7 @@
                   </a:schemeClr>
                 </a:solidFill>
               </a:rPr>
-              <a:t>XmlAdaptedPerson</a:t>
+              <a:t>XmlAdaptedTask</a:t>
             </a:r>
             <a:endParaRPr lang="en-SG" sz="1050" b="1" dirty="0">
               <a:solidFill>
@@ -16822,7 +17671,7 @@
   <p:timing>
     <p:tnLst>
       <p:par>
-        <p:cTn id="1" dur="indefinite" restart="never" nodeType="tmRoot"/>
+        <p:cTn xmlns:p14="http://schemas.microsoft.com/office/powerpoint/2010/main" id="1" dur="indefinite" restart="never" nodeType="tmRoot"/>
       </p:par>
     </p:tnLst>
   </p:timing>
